--- a/COVID-19_Air Quality.pptx
+++ b/COVID-19_Air Quality.pptx
@@ -7,11 +7,12 @@
   <p:sldIdLst>
     <p:sldId id="266" r:id="rId5"/>
     <p:sldId id="310" r:id="rId6"/>
-    <p:sldId id="311" r:id="rId7"/>
-    <p:sldId id="312" r:id="rId8"/>
-    <p:sldId id="313" r:id="rId9"/>
-    <p:sldId id="314" r:id="rId10"/>
-    <p:sldId id="315" r:id="rId11"/>
+    <p:sldId id="316" r:id="rId7"/>
+    <p:sldId id="311" r:id="rId8"/>
+    <p:sldId id="312" r:id="rId9"/>
+    <p:sldId id="313" r:id="rId10"/>
+    <p:sldId id="314" r:id="rId11"/>
+    <p:sldId id="315" r:id="rId12"/>
   </p:sldIdLst>
   <p:sldSz cx="12192000" cy="6858000"/>
   <p:notesSz cx="6858000" cy="9144000"/>
@@ -362,7 +363,7 @@
           <a:p>
             <a:fld id="{9184DA70-C731-4C70-880D-CCD4705E623C}" type="datetime1">
               <a:rPr lang="en-US" smtClean="0"/>
-              <a:t>4/16/2020</a:t>
+              <a:t>4/17/2020</a:t>
             </a:fld>
             <a:endParaRPr lang="en-US" dirty="0"/>
           </a:p>
@@ -550,7 +551,7 @@
           <a:p>
             <a:fld id="{4BE1D723-8F53-4F53-90B0-1982A396982E}" type="datetime1">
               <a:rPr lang="en-US" smtClean="0"/>
-              <a:t>4/16/2020</a:t>
+              <a:t>4/17/2020</a:t>
             </a:fld>
             <a:endParaRPr lang="en-US" dirty="0"/>
           </a:p>
@@ -923,7 +924,7 @@
           <a:p>
             <a:fld id="{97669AF7-7BEB-44E4-9852-375E34362B5B}" type="datetime1">
               <a:rPr lang="en-US" smtClean="0"/>
-              <a:t>4/16/2020</a:t>
+              <a:t>4/17/2020</a:t>
             </a:fld>
             <a:endParaRPr lang="en-US" dirty="0"/>
           </a:p>
@@ -1178,7 +1179,7 @@
           <a:p>
             <a:fld id="{BAAAC38D-0552-4C82-B593-E6124DFADBE2}" type="datetime1">
               <a:rPr lang="en-US" smtClean="0"/>
-              <a:t>4/16/2020</a:t>
+              <a:t>4/17/2020</a:t>
             </a:fld>
             <a:endParaRPr lang="en-US" dirty="0"/>
           </a:p>
@@ -1575,7 +1576,7 @@
           <a:p>
             <a:fld id="{D9DF0F1C-5577-4ACB-BB62-DF8F3C494C7E}" type="datetime1">
               <a:rPr lang="en-US" smtClean="0"/>
-              <a:t>4/16/2020</a:t>
+              <a:t>4/17/2020</a:t>
             </a:fld>
             <a:endParaRPr lang="en-US" dirty="0"/>
           </a:p>
@@ -1711,7 +1712,7 @@
           <a:p>
             <a:fld id="{1775B394-D9F9-4F0C-B15D-605F45CB9E9F}" type="datetime1">
               <a:rPr lang="en-US" smtClean="0"/>
-              <a:t>4/16/2020</a:t>
+              <a:t>4/17/2020</a:t>
             </a:fld>
             <a:endParaRPr lang="en-US" dirty="0"/>
           </a:p>
@@ -1868,7 +1869,7 @@
           <a:p>
             <a:fld id="{39667345-2558-425A-8533-9BFDBCE15005}" type="datetime1">
               <a:rPr lang="en-US" smtClean="0"/>
-              <a:t>4/16/2020</a:t>
+              <a:t>4/17/2020</a:t>
             </a:fld>
             <a:endParaRPr lang="en-US" dirty="0"/>
           </a:p>
@@ -2197,7 +2198,7 @@
           <a:p>
             <a:fld id="{92BEA474-078D-4E9B-9B14-09A87B19DC46}" type="datetime1">
               <a:rPr lang="en-US" smtClean="0"/>
-              <a:t>4/16/2020</a:t>
+              <a:t>4/17/2020</a:t>
             </a:fld>
             <a:endParaRPr lang="en-US" dirty="0"/>
           </a:p>
@@ -2547,7 +2548,7 @@
           <a:p>
             <a:fld id="{4907D986-8816-4272-A432-0437A28A9828}" type="datetime1">
               <a:rPr lang="en-US" smtClean="0"/>
-              <a:t>4/16/2020</a:t>
+              <a:t>4/17/2020</a:t>
             </a:fld>
             <a:endParaRPr lang="en-US" dirty="0"/>
           </a:p>
@@ -2808,7 +2809,7 @@
           <a:p>
             <a:fld id="{62D6E202-B606-4609-B914-27C9371A1F6D}" type="datetime1">
               <a:rPr lang="en-US" smtClean="0"/>
-              <a:t>4/16/2020</a:t>
+              <a:t>4/17/2020</a:t>
             </a:fld>
             <a:endParaRPr lang="en-US" dirty="0"/>
           </a:p>
@@ -3644,7 +3645,7 @@
           <a:p>
             <a:r>
               <a:rPr lang="en-US" dirty="0"/>
-              <a:t>This project looks at the air quality index reported by various monitoring stations allover the world as well as reported confirm cases and deaths due to COVID-19 worldwide. We wanted to see if countries with better air quality had less severe outbreaks of COVID-19, and if countries with more sever outbreaks had experienced lower levels of pollution due to stay home orders.</a:t>
+              <a:t>This project looks at the air quality index reported by various monitoring stations all over the world as well as reported confirm cases and deaths due to COVID-19 worldwide. We wanted to see if countries with where outbreaks of COVID-19 are forcing more social distancing was leading to better air quality indexes.</a:t>
             </a:r>
           </a:p>
           <a:p>
@@ -3688,7 +3689,7 @@
             <a:pPr lvl="1"/>
             <a:r>
               <a:rPr lang="en-US" dirty="0"/>
-              <a:t>World Health Organization</a:t>
+              <a:t>World Health Organization CoVid-19 Data</a:t>
             </a:r>
           </a:p>
         </p:txBody>
@@ -3709,14 +3710,6 @@
 <file path=ppt/slides/slide3.xml><?xml version="1.0" encoding="utf-8"?>
 <p:sld xmlns:a="http://schemas.openxmlformats.org/drawingml/2006/main" xmlns:r="http://schemas.openxmlformats.org/officeDocument/2006/relationships" xmlns:p="http://schemas.openxmlformats.org/presentationml/2006/main">
   <p:cSld>
-    <p:bg>
-      <p:bgPr>
-        <a:solidFill>
-          <a:schemeClr val="bg1"/>
-        </a:solidFill>
-        <a:effectLst/>
-      </p:bgPr>
-    </p:bg>
     <p:spTree>
       <p:nvGrpSpPr>
         <p:cNvPr id="1" name=""/>
@@ -3733,175 +3726,10 @@
       </p:grpSpPr>
       <p:sp>
         <p:nvSpPr>
-          <p:cNvPr id="12" name="Rectangle 11">
-            <a:extLst>
-              <a:ext uri="{FF2B5EF4-FFF2-40B4-BE49-F238E27FC236}">
-                <a16:creationId xmlns:a16="http://schemas.microsoft.com/office/drawing/2014/main" id="{416A0E3C-60E6-4F39-BC55-5F7C224E1F7C}"/>
-              </a:ext>
-              <a:ext uri="{C183D7F6-B498-43B3-948B-1728B52AA6E4}">
-                <adec:decorative xmlns:adec="http://schemas.microsoft.com/office/drawing/2017/decorative" val="1"/>
-              </a:ext>
-            </a:extLst>
-          </p:cNvPr>
-          <p:cNvSpPr>
-            <a:spLocks noGrp="1" noRot="1" noChangeAspect="1" noMove="1" noResize="1" noEditPoints="1" noAdjustHandles="1" noChangeArrowheads="1" noChangeShapeType="1" noTextEdit="1"/>
-          </p:cNvSpPr>
-          <p:nvPr>
-            <p:extLst>
-              <p:ext uri="{386F3935-93C4-4BCD-93E2-E3B085C9AB24}">
-                <p16:designElem xmlns:p16="http://schemas.microsoft.com/office/powerpoint/2015/main" val="1"/>
-              </p:ext>
-            </p:extLst>
-          </p:nvPr>
-        </p:nvSpPr>
-        <p:spPr>
-          <a:xfrm>
-            <a:off x="3175" y="6400800"/>
-            <a:ext cx="12188825" cy="457200"/>
-          </a:xfrm>
-          <a:prstGeom prst="rect">
-            <a:avLst/>
-          </a:prstGeom>
-          <a:solidFill>
-            <a:srgbClr val="262626"/>
-          </a:solidFill>
-          <a:ln>
-            <a:noFill/>
-          </a:ln>
-        </p:spPr>
-        <p:style>
-          <a:lnRef idx="2">
-            <a:schemeClr val="accent1">
-              <a:shade val="50000"/>
-            </a:schemeClr>
-          </a:lnRef>
-          <a:fillRef idx="1">
-            <a:schemeClr val="accent1"/>
-          </a:fillRef>
-          <a:effectRef idx="0">
-            <a:schemeClr val="accent1"/>
-          </a:effectRef>
-          <a:fontRef idx="minor">
-            <a:schemeClr val="lt1"/>
-          </a:fontRef>
-        </p:style>
-      </p:sp>
-      <p:cxnSp>
-        <p:nvCxnSpPr>
-          <p:cNvPr id="14" name="Straight Connector 13">
-            <a:extLst>
-              <a:ext uri="{FF2B5EF4-FFF2-40B4-BE49-F238E27FC236}">
-                <a16:creationId xmlns:a16="http://schemas.microsoft.com/office/drawing/2014/main" id="{C5025DAC-8B93-4160-B017-3A274A5828C0}"/>
-              </a:ext>
-              <a:ext uri="{C183D7F6-B498-43B3-948B-1728B52AA6E4}">
-                <adec:decorative xmlns:adec="http://schemas.microsoft.com/office/drawing/2017/decorative" val="1"/>
-              </a:ext>
-            </a:extLst>
-          </p:cNvPr>
-          <p:cNvCxnSpPr>
-            <a:cxnSpLocks noGrp="1" noRot="1" noChangeAspect="1" noMove="1" noResize="1" noEditPoints="1" noAdjustHandles="1" noChangeArrowheads="1" noChangeShapeType="1"/>
-          </p:cNvCxnSpPr>
-          <p:nvPr>
-            <p:extLst>
-              <p:ext uri="{386F3935-93C4-4BCD-93E2-E3B085C9AB24}">
-                <p16:designElem xmlns:p16="http://schemas.microsoft.com/office/powerpoint/2015/main" val="1"/>
-              </p:ext>
-            </p:extLst>
-          </p:nvPr>
-        </p:nvCxnSpPr>
-        <p:spPr>
-          <a:xfrm>
-            <a:off x="1193532" y="1897380"/>
-            <a:ext cx="9966960" cy="0"/>
-          </a:xfrm>
-          <a:prstGeom prst="line">
-            <a:avLst/>
-          </a:prstGeom>
-          <a:ln w="12700">
-            <a:solidFill>
-              <a:schemeClr val="tx1">
-                <a:lumMod val="75000"/>
-                <a:lumOff val="25000"/>
-              </a:schemeClr>
-            </a:solidFill>
-          </a:ln>
-        </p:spPr>
-        <p:style>
-          <a:lnRef idx="1">
-            <a:schemeClr val="accent1"/>
-          </a:lnRef>
-          <a:fillRef idx="0">
-            <a:schemeClr val="accent1"/>
-          </a:fillRef>
-          <a:effectRef idx="0">
-            <a:schemeClr val="accent1"/>
-          </a:effectRef>
-          <a:fontRef idx="minor">
-            <a:schemeClr val="tx1"/>
-          </a:fontRef>
-        </p:style>
-      </p:cxnSp>
-      <p:sp>
-        <p:nvSpPr>
-          <p:cNvPr id="31" name="Rectangle 15">
-            <a:extLst>
-              <a:ext uri="{FF2B5EF4-FFF2-40B4-BE49-F238E27FC236}">
-                <a16:creationId xmlns:a16="http://schemas.microsoft.com/office/drawing/2014/main" id="{E844E128-FF69-4E9F-8327-6B504B3C5AE1}"/>
-              </a:ext>
-              <a:ext uri="{C183D7F6-B498-43B3-948B-1728B52AA6E4}">
-                <adec:decorative xmlns:adec="http://schemas.microsoft.com/office/drawing/2017/decorative" val="1"/>
-              </a:ext>
-            </a:extLst>
-          </p:cNvPr>
-          <p:cNvSpPr>
-            <a:spLocks noGrp="1" noRot="1" noChangeAspect="1" noMove="1" noResize="1" noEditPoints="1" noAdjustHandles="1" noChangeArrowheads="1" noChangeShapeType="1" noTextEdit="1"/>
-          </p:cNvSpPr>
-          <p:nvPr>
-            <p:extLst>
-              <p:ext uri="{386F3935-93C4-4BCD-93E2-E3B085C9AB24}">
-                <p16:designElem xmlns:p16="http://schemas.microsoft.com/office/powerpoint/2015/main" val="1"/>
-              </p:ext>
-            </p:extLst>
-          </p:nvPr>
-        </p:nvSpPr>
-        <p:spPr bwMode="white">
-          <a:xfrm>
-            <a:off x="15" y="0"/>
-            <a:ext cx="12191985" cy="6858000"/>
-          </a:xfrm>
-          <a:prstGeom prst="rect">
-            <a:avLst/>
-          </a:prstGeom>
-          <a:solidFill>
-            <a:srgbClr val="262626"/>
-          </a:solidFill>
-          <a:ln>
-            <a:noFill/>
-          </a:ln>
-        </p:spPr>
-        <p:style>
-          <a:lnRef idx="2">
-            <a:schemeClr val="accent1">
-              <a:shade val="50000"/>
-            </a:schemeClr>
-          </a:lnRef>
-          <a:fillRef idx="1">
-            <a:schemeClr val="accent1"/>
-          </a:fillRef>
-          <a:effectRef idx="0">
-            <a:schemeClr val="accent1"/>
-          </a:effectRef>
-          <a:fontRef idx="minor">
-            <a:schemeClr val="lt1"/>
-          </a:fontRef>
-        </p:style>
-      </p:sp>
-      <p:sp>
-        <p:nvSpPr>
-          <p:cNvPr id="32" name="Title 1">
-            <a:extLst>
-              <a:ext uri="{FF2B5EF4-FFF2-40B4-BE49-F238E27FC236}">
-                <a16:creationId xmlns:a16="http://schemas.microsoft.com/office/drawing/2014/main" id="{CD7DEA3F-E9C6-4072-BE83-A2589B81332F}"/>
+          <p:cNvPr id="2" name="Title 1">
+            <a:extLst>
+              <a:ext uri="{FF2B5EF4-FFF2-40B4-BE49-F238E27FC236}">
+                <a16:creationId xmlns:a16="http://schemas.microsoft.com/office/drawing/2014/main" id="{5CD3B0D2-0F33-49B6-9235-5180EB0806CA}"/>
               </a:ext>
             </a:extLst>
           </p:cNvPr>
@@ -3912,156 +3740,52 @@
             <p:ph type="title"/>
           </p:nvPr>
         </p:nvSpPr>
-        <p:spPr>
-          <a:xfrm>
-            <a:off x="643467" y="516835"/>
-            <a:ext cx="3448259" cy="1666501"/>
-          </a:xfrm>
-        </p:spPr>
-        <p:txBody>
-          <a:bodyPr vert="horz" lIns="91440" tIns="45720" rIns="91440" bIns="45720" rtlCol="0" anchor="b">
-            <a:normAutofit/>
-          </a:bodyPr>
+        <p:spPr/>
+        <p:txBody>
+          <a:bodyPr/>
           <a:lstStyle/>
           <a:p>
             <a:r>
-              <a:rPr lang="en-US" sz="4000" dirty="0"/>
-              <a:t>Step 1	</a:t>
-            </a:r>
-          </a:p>
-        </p:txBody>
-      </p:sp>
-      <p:cxnSp>
-        <p:nvCxnSpPr>
-          <p:cNvPr id="33" name="Straight Connector 17">
-            <a:extLst>
-              <a:ext uri="{FF2B5EF4-FFF2-40B4-BE49-F238E27FC236}">
-                <a16:creationId xmlns:a16="http://schemas.microsoft.com/office/drawing/2014/main" id="{055CEADF-09EA-423C-8C45-F94AF44D5AF0}"/>
-              </a:ext>
-              <a:ext uri="{C183D7F6-B498-43B3-948B-1728B52AA6E4}">
-                <adec:decorative xmlns:adec="http://schemas.microsoft.com/office/drawing/2017/decorative" val="1"/>
-              </a:ext>
-            </a:extLst>
-          </p:cNvPr>
-          <p:cNvCxnSpPr>
-            <a:cxnSpLocks noGrp="1" noRot="1" noChangeAspect="1" noMove="1" noResize="1" noEditPoints="1" noAdjustHandles="1" noChangeArrowheads="1" noChangeShapeType="1"/>
-          </p:cNvCxnSpPr>
-          <p:nvPr>
-            <p:extLst>
-              <p:ext uri="{386F3935-93C4-4BCD-93E2-E3B085C9AB24}">
-                <p16:designElem xmlns:p16="http://schemas.microsoft.com/office/powerpoint/2015/main" val="1"/>
-              </p:ext>
-            </p:extLst>
-          </p:nvPr>
-        </p:nvCxnSpPr>
-        <p:spPr>
-          <a:xfrm>
-            <a:off x="723686" y="2353592"/>
-            <a:ext cx="3291840" cy="0"/>
-          </a:xfrm>
-          <a:prstGeom prst="line">
-            <a:avLst/>
-          </a:prstGeom>
-          <a:ln w="19050">
-            <a:solidFill>
-              <a:schemeClr val="accent1"/>
-            </a:solidFill>
-          </a:ln>
-        </p:spPr>
-        <p:style>
-          <a:lnRef idx="1">
-            <a:schemeClr val="accent1"/>
-          </a:lnRef>
-          <a:fillRef idx="0">
-            <a:schemeClr val="accent1"/>
-          </a:fillRef>
-          <a:effectRef idx="0">
-            <a:schemeClr val="accent1"/>
-          </a:effectRef>
-          <a:fontRef idx="minor">
-            <a:schemeClr val="tx1"/>
-          </a:fontRef>
-        </p:style>
-      </p:cxnSp>
-      <p:sp>
-        <p:nvSpPr>
-          <p:cNvPr id="9" name="Content Placeholder 8">
-            <a:extLst>
-              <a:ext uri="{FF2B5EF4-FFF2-40B4-BE49-F238E27FC236}">
-                <a16:creationId xmlns:a16="http://schemas.microsoft.com/office/drawing/2014/main" id="{83634AB3-8004-4529-9B58-4AF19DA36083}"/>
-              </a:ext>
-            </a:extLst>
-          </p:cNvPr>
-          <p:cNvSpPr>
-            <a:spLocks noGrp="1"/>
-          </p:cNvSpPr>
-          <p:nvPr>
-            <p:ph idx="1"/>
-          </p:nvPr>
-        </p:nvSpPr>
-        <p:spPr>
-          <a:xfrm>
-            <a:off x="643467" y="2546224"/>
-            <a:ext cx="3448259" cy="3342747"/>
-          </a:xfrm>
-        </p:spPr>
-        <p:txBody>
-          <a:bodyPr vert="horz" lIns="0" tIns="45720" rIns="0" bIns="45720" rtlCol="0">
-            <a:normAutofit/>
-          </a:bodyPr>
+              <a:rPr lang="en-US" dirty="0"/>
+              <a:t>Step 1</a:t>
+            </a:r>
+          </a:p>
+        </p:txBody>
+      </p:sp>
+      <p:sp>
+        <p:nvSpPr>
+          <p:cNvPr id="4" name="Text Placeholder 3">
+            <a:extLst>
+              <a:ext uri="{FF2B5EF4-FFF2-40B4-BE49-F238E27FC236}">
+                <a16:creationId xmlns:a16="http://schemas.microsoft.com/office/drawing/2014/main" id="{07D31205-F889-44F5-8400-B03890B1DD40}"/>
+              </a:ext>
+            </a:extLst>
+          </p:cNvPr>
+          <p:cNvSpPr>
+            <a:spLocks noGrp="1"/>
+          </p:cNvSpPr>
+          <p:nvPr>
+            <p:ph type="body" sz="half" idx="2"/>
+          </p:nvPr>
+        </p:nvSpPr>
+        <p:spPr/>
+        <p:txBody>
+          <a:bodyPr/>
           <a:lstStyle/>
           <a:p>
-            <a:pPr>
-              <a:lnSpc>
-                <a:spcPct val="100000"/>
-              </a:lnSpc>
-            </a:pPr>
-            <a:r>
-              <a:rPr lang="en-US" sz="1800" dirty="0">
-                <a:solidFill>
-                  <a:srgbClr val="FFFFFF"/>
-                </a:solidFill>
-              </a:rPr>
-              <a:t>We started by reading our csv file with each country’s COVID 19 data into a pandas </a:t>
-            </a:r>
-            <a:r>
-              <a:rPr lang="en-US" sz="1800" dirty="0" err="1">
-                <a:solidFill>
-                  <a:srgbClr val="FFFFFF"/>
-                </a:solidFill>
-              </a:rPr>
-              <a:t>dataframe</a:t>
-            </a:r>
-            <a:r>
-              <a:rPr lang="en-US" sz="1800" dirty="0">
-                <a:solidFill>
-                  <a:srgbClr val="FFFFFF"/>
-                </a:solidFill>
-              </a:rPr>
-              <a:t> and then loading it into Postgres using </a:t>
-            </a:r>
-            <a:r>
-              <a:rPr lang="en-US" sz="1800" dirty="0" err="1">
-                <a:solidFill>
-                  <a:srgbClr val="FFFFFF"/>
-                </a:solidFill>
-              </a:rPr>
-              <a:t>SQLAlchemy</a:t>
-            </a:r>
-            <a:endParaRPr lang="en-US" sz="1800" dirty="0">
-              <a:solidFill>
-                <a:srgbClr val="FFFFFF"/>
-              </a:solidFill>
-            </a:endParaRPr>
+            <a:r>
+              <a:rPr lang="en-US" dirty="0"/>
+              <a:t>We used web scraping to pull COVID-19 data from the World Health Organization. </a:t>
+            </a:r>
           </a:p>
         </p:txBody>
       </p:sp>
       <p:pic>
         <p:nvPicPr>
-          <p:cNvPr id="5" name="Content Placeholder 4">
-            <a:extLst>
-              <a:ext uri="{FF2B5EF4-FFF2-40B4-BE49-F238E27FC236}">
-                <a16:creationId xmlns:a16="http://schemas.microsoft.com/office/drawing/2014/main" id="{AD0F2291-B204-437F-BB8D-91E9BEC60B3C}"/>
+          <p:cNvPr id="5" name="Picture 4">
+            <a:extLst>
+              <a:ext uri="{FF2B5EF4-FFF2-40B4-BE49-F238E27FC236}">
+                <a16:creationId xmlns:a16="http://schemas.microsoft.com/office/drawing/2014/main" id="{CA744976-5558-419D-A276-9551F23017EA}"/>
               </a:ext>
             </a:extLst>
           </p:cNvPr>
@@ -4070,15 +3794,46 @@
           </p:cNvPicPr>
           <p:nvPr/>
         </p:nvPicPr>
-        <p:blipFill rotWithShape="1">
+        <p:blipFill>
           <a:blip r:embed="rId2"/>
-          <a:srcRect t="4781" r="-1" b="197"/>
-          <a:stretch/>
+          <a:stretch>
+            <a:fillRect/>
+          </a:stretch>
         </p:blipFill>
         <p:spPr>
           <a:xfrm>
-            <a:off x="4654473" y="10"/>
-            <a:ext cx="7537703" cy="6857990"/>
+            <a:off x="5243240" y="0"/>
+            <a:ext cx="5895975" cy="2066925"/>
+          </a:xfrm>
+          <a:prstGeom prst="rect">
+            <a:avLst/>
+          </a:prstGeom>
+        </p:spPr>
+      </p:pic>
+      <p:pic>
+        <p:nvPicPr>
+          <p:cNvPr id="6" name="Picture 5">
+            <a:extLst>
+              <a:ext uri="{FF2B5EF4-FFF2-40B4-BE49-F238E27FC236}">
+                <a16:creationId xmlns:a16="http://schemas.microsoft.com/office/drawing/2014/main" id="{55F40504-FBB0-4837-86B2-DA8FDCAE90D2}"/>
+              </a:ext>
+            </a:extLst>
+          </p:cNvPr>
+          <p:cNvPicPr>
+            <a:picLocks noChangeAspect="1"/>
+          </p:cNvPicPr>
+          <p:nvPr/>
+        </p:nvPicPr>
+        <p:blipFill>
+          <a:blip r:embed="rId3"/>
+          <a:stretch>
+            <a:fillRect/>
+          </a:stretch>
+        </p:blipFill>
+        <p:spPr>
+          <a:xfrm>
+            <a:off x="6486252" y="2162459"/>
+            <a:ext cx="3409950" cy="4448175"/>
           </a:xfrm>
           <a:prstGeom prst="rect">
             <a:avLst/>
@@ -4088,12 +3843,12 @@
     </p:spTree>
     <p:extLst>
       <p:ext uri="{BB962C8B-B14F-4D97-AF65-F5344CB8AC3E}">
-        <p14:creationId xmlns:p14="http://schemas.microsoft.com/office/powerpoint/2010/main" val="3521663926"/>
+        <p14:creationId xmlns:p14="http://schemas.microsoft.com/office/powerpoint/2010/main" val="3035855179"/>
       </p:ext>
     </p:extLst>
   </p:cSld>
   <p:clrMapOvr>
-    <a:overrideClrMapping bg1="dk1" tx1="lt1" bg2="dk2" tx2="lt2" accent1="accent1" accent2="accent2" accent3="accent3" accent4="accent4" accent5="accent5" accent6="accent6" hlink="hlink" folHlink="folHlink"/>
+    <a:masterClrMapping/>
   </p:clrMapOvr>
 </p:sld>
 </file>
@@ -4125,10 +3880,10 @@
       </p:grpSpPr>
       <p:sp>
         <p:nvSpPr>
-          <p:cNvPr id="23" name="Rectangle 22">
-            <a:extLst>
-              <a:ext uri="{FF2B5EF4-FFF2-40B4-BE49-F238E27FC236}">
-                <a16:creationId xmlns:a16="http://schemas.microsoft.com/office/drawing/2014/main" id="{39E3965E-AC41-4711-9D10-E25ABB132D86}"/>
+          <p:cNvPr id="12" name="Rectangle 11">
+            <a:extLst>
+              <a:ext uri="{FF2B5EF4-FFF2-40B4-BE49-F238E27FC236}">
+                <a16:creationId xmlns:a16="http://schemas.microsoft.com/office/drawing/2014/main" id="{416A0E3C-60E6-4F39-BC55-5F7C224E1F7C}"/>
               </a:ext>
               <a:ext uri="{C183D7F6-B498-43B3-948B-1728B52AA6E4}">
                 <adec:decorative xmlns:adec="http://schemas.microsoft.com/office/drawing/2017/decorative" val="1"/>
@@ -4180,10 +3935,10 @@
       </p:sp>
       <p:cxnSp>
         <p:nvCxnSpPr>
-          <p:cNvPr id="25" name="Straight Connector 24">
-            <a:extLst>
-              <a:ext uri="{FF2B5EF4-FFF2-40B4-BE49-F238E27FC236}">
-                <a16:creationId xmlns:a16="http://schemas.microsoft.com/office/drawing/2014/main" id="{1F5DC8C3-BA5F-4EED-BB9A-A14272BD82A1}"/>
+          <p:cNvPr id="14" name="Straight Connector 13">
+            <a:extLst>
+              <a:ext uri="{FF2B5EF4-FFF2-40B4-BE49-F238E27FC236}">
+                <a16:creationId xmlns:a16="http://schemas.microsoft.com/office/drawing/2014/main" id="{C5025DAC-8B93-4160-B017-3A274A5828C0}"/>
               </a:ext>
               <a:ext uri="{C183D7F6-B498-43B3-948B-1728B52AA6E4}">
                 <adec:decorative xmlns:adec="http://schemas.microsoft.com/office/drawing/2017/decorative" val="1"/>
@@ -4203,8 +3958,8 @@
         </p:nvCxnSpPr>
         <p:spPr>
           <a:xfrm>
-            <a:off x="1207658" y="4474741"/>
-            <a:ext cx="9875520" cy="0"/>
+            <a:off x="1193532" y="1897380"/>
+            <a:ext cx="9966960" cy="0"/>
           </a:xfrm>
           <a:prstGeom prst="line">
             <a:avLst/>
@@ -4233,12 +3988,12 @@
           </a:fontRef>
         </p:style>
       </p:cxnSp>
-      <p:sp useBgFill="1">
-        <p:nvSpPr>
-          <p:cNvPr id="27" name="Rectangle 26">
-            <a:extLst>
-              <a:ext uri="{FF2B5EF4-FFF2-40B4-BE49-F238E27FC236}">
-                <a16:creationId xmlns:a16="http://schemas.microsoft.com/office/drawing/2014/main" id="{33428ACC-71EC-4171-9527-10983BA6B41D}"/>
+      <p:sp>
+        <p:nvSpPr>
+          <p:cNvPr id="31" name="Rectangle 15">
+            <a:extLst>
+              <a:ext uri="{FF2B5EF4-FFF2-40B4-BE49-F238E27FC236}">
+                <a16:creationId xmlns:a16="http://schemas.microsoft.com/office/drawing/2014/main" id="{E844E128-FF69-4E9F-8327-6B504B3C5AE1}"/>
               </a:ext>
               <a:ext uri="{C183D7F6-B498-43B3-948B-1728B52AA6E4}">
                 <adec:decorative xmlns:adec="http://schemas.microsoft.com/office/drawing/2017/decorative" val="1"/>
@@ -4256,246 +4011,10 @@
             </p:extLst>
           </p:nvPr>
         </p:nvSpPr>
-        <p:spPr>
-          <a:xfrm>
-            <a:off x="0" y="0"/>
-            <a:ext cx="12192001" cy="6858000"/>
-          </a:xfrm>
-          <a:prstGeom prst="rect">
-            <a:avLst/>
-          </a:prstGeom>
-          <a:ln>
-            <a:noFill/>
-          </a:ln>
-        </p:spPr>
-        <p:style>
-          <a:lnRef idx="2">
-            <a:schemeClr val="accent1">
-              <a:shade val="50000"/>
-            </a:schemeClr>
-          </a:lnRef>
-          <a:fillRef idx="1">
-            <a:schemeClr val="accent1"/>
-          </a:fillRef>
-          <a:effectRef idx="0">
-            <a:schemeClr val="accent1"/>
-          </a:effectRef>
-          <a:fontRef idx="minor">
-            <a:schemeClr val="lt1"/>
-          </a:fontRef>
-        </p:style>
-        <p:txBody>
-          <a:bodyPr rtlCol="0" anchor="ctr"/>
-          <a:lstStyle/>
-          <a:p>
-            <a:pPr algn="ctr"/>
-            <a:endParaRPr lang="en-US"/>
-          </a:p>
-        </p:txBody>
-      </p:sp>
-      <p:sp>
-        <p:nvSpPr>
-          <p:cNvPr id="2" name="Title 1">
-            <a:extLst>
-              <a:ext uri="{FF2B5EF4-FFF2-40B4-BE49-F238E27FC236}">
-                <a16:creationId xmlns:a16="http://schemas.microsoft.com/office/drawing/2014/main" id="{E0E4F361-1EDB-4C1A-B9AB-D891EBCEB366}"/>
-              </a:ext>
-            </a:extLst>
-          </p:cNvPr>
-          <p:cNvSpPr>
-            <a:spLocks noGrp="1"/>
-          </p:cNvSpPr>
-          <p:nvPr>
-            <p:ph type="title"/>
-          </p:nvPr>
-        </p:nvSpPr>
-        <p:spPr>
-          <a:xfrm>
-            <a:off x="8141110" y="639098"/>
-            <a:ext cx="3401961" cy="3494790"/>
-          </a:xfrm>
-        </p:spPr>
-        <p:txBody>
-          <a:bodyPr vert="horz" lIns="91440" tIns="45720" rIns="91440" bIns="45720" rtlCol="0" anchor="b">
-            <a:normAutofit/>
-          </a:bodyPr>
-          <a:lstStyle/>
-          <a:p>
-            <a:r>
-              <a:rPr lang="en-US" sz="5400">
-                <a:solidFill>
-                  <a:schemeClr val="tx1">
-                    <a:lumMod val="85000"/>
-                    <a:lumOff val="15000"/>
-                  </a:schemeClr>
-                </a:solidFill>
-              </a:rPr>
-              <a:t>Step 2</a:t>
-            </a:r>
-          </a:p>
-        </p:txBody>
-      </p:sp>
-      <p:sp>
-        <p:nvSpPr>
-          <p:cNvPr id="4" name="Text Placeholder 3">
-            <a:extLst>
-              <a:ext uri="{FF2B5EF4-FFF2-40B4-BE49-F238E27FC236}">
-                <a16:creationId xmlns:a16="http://schemas.microsoft.com/office/drawing/2014/main" id="{964DF764-E735-41DE-A0F8-F9D6BD0AF87F}"/>
-              </a:ext>
-            </a:extLst>
-          </p:cNvPr>
-          <p:cNvSpPr>
-            <a:spLocks noGrp="1"/>
-          </p:cNvSpPr>
-          <p:nvPr>
-            <p:ph type="body" sz="half" idx="2"/>
-          </p:nvPr>
-        </p:nvSpPr>
-        <p:spPr>
-          <a:xfrm>
-            <a:off x="8141110" y="4455621"/>
-            <a:ext cx="3417990" cy="1238616"/>
-          </a:xfrm>
-        </p:spPr>
-        <p:txBody>
-          <a:bodyPr vert="horz" lIns="91440" tIns="45720" rIns="91440" bIns="45720" rtlCol="0">
-            <a:normAutofit/>
-          </a:bodyPr>
-          <a:lstStyle/>
-          <a:p>
-            <a:pPr>
-              <a:lnSpc>
-                <a:spcPct val="90000"/>
-              </a:lnSpc>
-            </a:pPr>
-            <a:r>
-              <a:rPr lang="en-US" sz="1700" cap="all" spc="200">
-                <a:solidFill>
-                  <a:schemeClr val="tx1">
-                    <a:lumMod val="85000"/>
-                    <a:lumOff val="15000"/>
-                  </a:schemeClr>
-                </a:solidFill>
-              </a:rPr>
-              <a:t>Next we used Node.js to pull the table out of Postgres and save that data as a json file</a:t>
-            </a:r>
-          </a:p>
-        </p:txBody>
-      </p:sp>
-      <p:pic>
-        <p:nvPicPr>
-          <p:cNvPr id="5" name="Content Placeholder 4">
-            <a:extLst>
-              <a:ext uri="{FF2B5EF4-FFF2-40B4-BE49-F238E27FC236}">
-                <a16:creationId xmlns:a16="http://schemas.microsoft.com/office/drawing/2014/main" id="{D7E4BAFC-4ADF-4013-828D-89C7B92DBD95}"/>
-              </a:ext>
-            </a:extLst>
-          </p:cNvPr>
-          <p:cNvPicPr>
-            <a:picLocks noGrp="1" noChangeAspect="1"/>
-          </p:cNvPicPr>
-          <p:nvPr>
-            <p:ph idx="1"/>
-          </p:nvPr>
-        </p:nvPicPr>
-        <p:blipFill>
-          <a:blip r:embed="rId2"/>
-          <a:stretch>
-            <a:fillRect/>
-          </a:stretch>
-        </p:blipFill>
-        <p:spPr>
-          <a:xfrm>
-            <a:off x="754031" y="640081"/>
-            <a:ext cx="6672153" cy="5054156"/>
-          </a:xfrm>
-          <a:prstGeom prst="rect">
-            <a:avLst/>
-          </a:prstGeom>
-        </p:spPr>
-      </p:pic>
-      <p:cxnSp>
-        <p:nvCxnSpPr>
-          <p:cNvPr id="29" name="Straight Connector 28">
-            <a:extLst>
-              <a:ext uri="{FF2B5EF4-FFF2-40B4-BE49-F238E27FC236}">
-                <a16:creationId xmlns:a16="http://schemas.microsoft.com/office/drawing/2014/main" id="{BA22713B-ABB6-4391-97F9-0449A2B9B664}"/>
-              </a:ext>
-              <a:ext uri="{C183D7F6-B498-43B3-948B-1728B52AA6E4}">
-                <adec:decorative xmlns:adec="http://schemas.microsoft.com/office/drawing/2017/decorative" val="1"/>
-              </a:ext>
-            </a:extLst>
-          </p:cNvPr>
-          <p:cNvCxnSpPr>
-            <a:cxnSpLocks noGrp="1" noRot="1" noChangeAspect="1" noMove="1" noResize="1" noEditPoints="1" noAdjustHandles="1" noChangeArrowheads="1" noChangeShapeType="1"/>
-          </p:cNvCxnSpPr>
-          <p:nvPr>
-            <p:extLst>
-              <p:ext uri="{386F3935-93C4-4BCD-93E2-E3B085C9AB24}">
-                <p16:designElem xmlns:p16="http://schemas.microsoft.com/office/powerpoint/2015/main" val="1"/>
-              </p:ext>
-            </p:extLst>
-          </p:nvPr>
-        </p:nvCxnSpPr>
-        <p:spPr>
-          <a:xfrm>
-            <a:off x="8209305" y="4294754"/>
-            <a:ext cx="3200400" cy="0"/>
-          </a:xfrm>
-          <a:prstGeom prst="line">
-            <a:avLst/>
-          </a:prstGeom>
-          <a:ln w="12700">
-            <a:solidFill>
-              <a:schemeClr val="tx1">
-                <a:lumMod val="75000"/>
-                <a:lumOff val="25000"/>
-              </a:schemeClr>
-            </a:solidFill>
-          </a:ln>
-        </p:spPr>
-        <p:style>
-          <a:lnRef idx="1">
-            <a:schemeClr val="accent1"/>
-          </a:lnRef>
-          <a:fillRef idx="0">
-            <a:schemeClr val="accent1"/>
-          </a:fillRef>
-          <a:effectRef idx="0">
-            <a:schemeClr val="accent1"/>
-          </a:effectRef>
-          <a:fontRef idx="minor">
-            <a:schemeClr val="tx1"/>
-          </a:fontRef>
-        </p:style>
-      </p:cxnSp>
-      <p:sp>
-        <p:nvSpPr>
-          <p:cNvPr id="31" name="Rectangle 30">
-            <a:extLst>
-              <a:ext uri="{FF2B5EF4-FFF2-40B4-BE49-F238E27FC236}">
-                <a16:creationId xmlns:a16="http://schemas.microsoft.com/office/drawing/2014/main" id="{8D4480B4-953D-41FA-9052-09AB3A026947}"/>
-              </a:ext>
-              <a:ext uri="{C183D7F6-B498-43B3-948B-1728B52AA6E4}">
-                <adec:decorative xmlns:adec="http://schemas.microsoft.com/office/drawing/2017/decorative" val="1"/>
-              </a:ext>
-            </a:extLst>
-          </p:cNvPr>
-          <p:cNvSpPr>
-            <a:spLocks noGrp="1" noRot="1" noChangeAspect="1" noMove="1" noResize="1" noEditPoints="1" noAdjustHandles="1" noChangeArrowheads="1" noChangeShapeType="1" noTextEdit="1"/>
-          </p:cNvSpPr>
-          <p:nvPr>
-            <p:extLst>
-              <p:ext uri="{386F3935-93C4-4BCD-93E2-E3B085C9AB24}">
-                <p16:designElem xmlns:p16="http://schemas.microsoft.com/office/powerpoint/2015/main" val="1"/>
-              </p:ext>
-            </p:extLst>
-          </p:nvPr>
-        </p:nvSpPr>
-        <p:spPr>
-          <a:xfrm>
-            <a:off x="0" y="6400800"/>
-            <a:ext cx="12192000" cy="457200"/>
+        <p:spPr bwMode="white">
+          <a:xfrm>
+            <a:off x="15" y="0"/>
+            <a:ext cx="12191985" cy="6858000"/>
           </a:xfrm>
           <a:prstGeom prst="rect">
             <a:avLst/>
@@ -4524,15 +4043,207 @@
           </a:fontRef>
         </p:style>
       </p:sp>
+      <p:sp>
+        <p:nvSpPr>
+          <p:cNvPr id="32" name="Title 1">
+            <a:extLst>
+              <a:ext uri="{FF2B5EF4-FFF2-40B4-BE49-F238E27FC236}">
+                <a16:creationId xmlns:a16="http://schemas.microsoft.com/office/drawing/2014/main" id="{CD7DEA3F-E9C6-4072-BE83-A2589B81332F}"/>
+              </a:ext>
+            </a:extLst>
+          </p:cNvPr>
+          <p:cNvSpPr>
+            <a:spLocks noGrp="1"/>
+          </p:cNvSpPr>
+          <p:nvPr>
+            <p:ph type="title"/>
+          </p:nvPr>
+        </p:nvSpPr>
+        <p:spPr>
+          <a:xfrm>
+            <a:off x="643467" y="516835"/>
+            <a:ext cx="3448259" cy="1666501"/>
+          </a:xfrm>
+        </p:spPr>
+        <p:txBody>
+          <a:bodyPr vert="horz" lIns="91440" tIns="45720" rIns="91440" bIns="45720" rtlCol="0" anchor="b">
+            <a:normAutofit/>
+          </a:bodyPr>
+          <a:lstStyle/>
+          <a:p>
+            <a:r>
+              <a:rPr lang="en-US" sz="4000" dirty="0"/>
+              <a:t>Step 2	</a:t>
+            </a:r>
+          </a:p>
+        </p:txBody>
+      </p:sp>
+      <p:cxnSp>
+        <p:nvCxnSpPr>
+          <p:cNvPr id="33" name="Straight Connector 17">
+            <a:extLst>
+              <a:ext uri="{FF2B5EF4-FFF2-40B4-BE49-F238E27FC236}">
+                <a16:creationId xmlns:a16="http://schemas.microsoft.com/office/drawing/2014/main" id="{055CEADF-09EA-423C-8C45-F94AF44D5AF0}"/>
+              </a:ext>
+              <a:ext uri="{C183D7F6-B498-43B3-948B-1728B52AA6E4}">
+                <adec:decorative xmlns:adec="http://schemas.microsoft.com/office/drawing/2017/decorative" val="1"/>
+              </a:ext>
+            </a:extLst>
+          </p:cNvPr>
+          <p:cNvCxnSpPr>
+            <a:cxnSpLocks noGrp="1" noRot="1" noChangeAspect="1" noMove="1" noResize="1" noEditPoints="1" noAdjustHandles="1" noChangeArrowheads="1" noChangeShapeType="1"/>
+          </p:cNvCxnSpPr>
+          <p:nvPr>
+            <p:extLst>
+              <p:ext uri="{386F3935-93C4-4BCD-93E2-E3B085C9AB24}">
+                <p16:designElem xmlns:p16="http://schemas.microsoft.com/office/powerpoint/2015/main" val="1"/>
+              </p:ext>
+            </p:extLst>
+          </p:nvPr>
+        </p:nvCxnSpPr>
+        <p:spPr>
+          <a:xfrm>
+            <a:off x="723686" y="2353592"/>
+            <a:ext cx="3291840" cy="0"/>
+          </a:xfrm>
+          <a:prstGeom prst="line">
+            <a:avLst/>
+          </a:prstGeom>
+          <a:ln w="19050">
+            <a:solidFill>
+              <a:schemeClr val="accent1"/>
+            </a:solidFill>
+          </a:ln>
+        </p:spPr>
+        <p:style>
+          <a:lnRef idx="1">
+            <a:schemeClr val="accent1"/>
+          </a:lnRef>
+          <a:fillRef idx="0">
+            <a:schemeClr val="accent1"/>
+          </a:fillRef>
+          <a:effectRef idx="0">
+            <a:schemeClr val="accent1"/>
+          </a:effectRef>
+          <a:fontRef idx="minor">
+            <a:schemeClr val="tx1"/>
+          </a:fontRef>
+        </p:style>
+      </p:cxnSp>
+      <p:sp>
+        <p:nvSpPr>
+          <p:cNvPr id="9" name="Content Placeholder 8">
+            <a:extLst>
+              <a:ext uri="{FF2B5EF4-FFF2-40B4-BE49-F238E27FC236}">
+                <a16:creationId xmlns:a16="http://schemas.microsoft.com/office/drawing/2014/main" id="{83634AB3-8004-4529-9B58-4AF19DA36083}"/>
+              </a:ext>
+            </a:extLst>
+          </p:cNvPr>
+          <p:cNvSpPr>
+            <a:spLocks noGrp="1"/>
+          </p:cNvSpPr>
+          <p:nvPr>
+            <p:ph idx="1"/>
+          </p:nvPr>
+        </p:nvSpPr>
+        <p:spPr>
+          <a:xfrm>
+            <a:off x="643467" y="2546224"/>
+            <a:ext cx="3448259" cy="3342747"/>
+          </a:xfrm>
+        </p:spPr>
+        <p:txBody>
+          <a:bodyPr vert="horz" lIns="0" tIns="45720" rIns="0" bIns="45720" rtlCol="0">
+            <a:normAutofit/>
+          </a:bodyPr>
+          <a:lstStyle/>
+          <a:p>
+            <a:pPr>
+              <a:lnSpc>
+                <a:spcPct val="100000"/>
+              </a:lnSpc>
+            </a:pPr>
+            <a:r>
+              <a:rPr lang="en-US" sz="1800" dirty="0">
+                <a:solidFill>
+                  <a:srgbClr val="FFFFFF"/>
+                </a:solidFill>
+              </a:rPr>
+              <a:t>We started by reading our csv file with each country’s COVID 19 data into a pandas </a:t>
+            </a:r>
+            <a:r>
+              <a:rPr lang="en-US" sz="1800" dirty="0" err="1">
+                <a:solidFill>
+                  <a:srgbClr val="FFFFFF"/>
+                </a:solidFill>
+              </a:rPr>
+              <a:t>dataframe</a:t>
+            </a:r>
+            <a:r>
+              <a:rPr lang="en-US" sz="1800" dirty="0">
+                <a:solidFill>
+                  <a:srgbClr val="FFFFFF"/>
+                </a:solidFill>
+              </a:rPr>
+              <a:t> and then loading it into Postgres using </a:t>
+            </a:r>
+            <a:r>
+              <a:rPr lang="en-US" sz="1800" dirty="0" err="1">
+                <a:solidFill>
+                  <a:srgbClr val="FFFFFF"/>
+                </a:solidFill>
+              </a:rPr>
+              <a:t>SQLAlchemy</a:t>
+            </a:r>
+            <a:r>
+              <a:rPr lang="en-US" sz="1800" dirty="0">
+                <a:solidFill>
+                  <a:srgbClr val="FFFFFF"/>
+                </a:solidFill>
+              </a:rPr>
+              <a:t>. </a:t>
+            </a:r>
+          </a:p>
+        </p:txBody>
+      </p:sp>
+      <p:pic>
+        <p:nvPicPr>
+          <p:cNvPr id="5" name="Content Placeholder 4">
+            <a:extLst>
+              <a:ext uri="{FF2B5EF4-FFF2-40B4-BE49-F238E27FC236}">
+                <a16:creationId xmlns:a16="http://schemas.microsoft.com/office/drawing/2014/main" id="{AD0F2291-B204-437F-BB8D-91E9BEC60B3C}"/>
+              </a:ext>
+            </a:extLst>
+          </p:cNvPr>
+          <p:cNvPicPr>
+            <a:picLocks noChangeAspect="1"/>
+          </p:cNvPicPr>
+          <p:nvPr/>
+        </p:nvPicPr>
+        <p:blipFill rotWithShape="1">
+          <a:blip r:embed="rId2"/>
+          <a:srcRect t="4781" r="-1" b="197"/>
+          <a:stretch/>
+        </p:blipFill>
+        <p:spPr>
+          <a:xfrm>
+            <a:off x="4654473" y="10"/>
+            <a:ext cx="7537703" cy="6857990"/>
+          </a:xfrm>
+          <a:prstGeom prst="rect">
+            <a:avLst/>
+          </a:prstGeom>
+        </p:spPr>
+      </p:pic>
     </p:spTree>
     <p:extLst>
       <p:ext uri="{BB962C8B-B14F-4D97-AF65-F5344CB8AC3E}">
-        <p14:creationId xmlns:p14="http://schemas.microsoft.com/office/powerpoint/2010/main" val="2245161713"/>
+        <p14:creationId xmlns:p14="http://schemas.microsoft.com/office/powerpoint/2010/main" val="3521663926"/>
       </p:ext>
     </p:extLst>
   </p:cSld>
   <p:clrMapOvr>
-    <a:masterClrMapping/>
+    <a:overrideClrMapping bg1="dk1" tx1="lt1" bg2="dk2" tx2="lt2" accent1="accent1" accent2="accent2" accent3="accent3" accent4="accent4" accent5="accent5" accent6="accent6" hlink="hlink" folHlink="folHlink"/>
   </p:clrMapOvr>
 </p:sld>
 </file>
@@ -4562,12 +4273,12 @@
           <a:chExt cx="0" cy="0"/>
         </a:xfrm>
       </p:grpSpPr>
-      <p:sp useBgFill="1">
-        <p:nvSpPr>
-          <p:cNvPr id="33" name="Rectangle 22">
-            <a:extLst>
-              <a:ext uri="{FF2B5EF4-FFF2-40B4-BE49-F238E27FC236}">
-                <a16:creationId xmlns:a16="http://schemas.microsoft.com/office/drawing/2014/main" id="{F64BBAA4-C62B-4146-B49F-FE4CC4655EE0}"/>
+      <p:sp>
+        <p:nvSpPr>
+          <p:cNvPr id="23" name="Rectangle 22">
+            <a:extLst>
+              <a:ext uri="{FF2B5EF4-FFF2-40B4-BE49-F238E27FC236}">
+                <a16:creationId xmlns:a16="http://schemas.microsoft.com/office/drawing/2014/main" id="{39E3965E-AC41-4711-9D10-E25ABB132D86}"/>
               </a:ext>
               <a:ext uri="{C183D7F6-B498-43B3-948B-1728B52AA6E4}">
                 <adec:decorative xmlns:adec="http://schemas.microsoft.com/office/drawing/2017/decorative" val="1"/>
@@ -4587,231 +4298,8 @@
         </p:nvSpPr>
         <p:spPr>
           <a:xfrm>
-            <a:off x="0" y="0"/>
-            <a:ext cx="12192001" cy="6858000"/>
-          </a:xfrm>
-          <a:prstGeom prst="rect">
-            <a:avLst/>
-          </a:prstGeom>
-          <a:ln>
-            <a:noFill/>
-          </a:ln>
-        </p:spPr>
-        <p:style>
-          <a:lnRef idx="2">
-            <a:schemeClr val="accent1">
-              <a:shade val="50000"/>
-            </a:schemeClr>
-          </a:lnRef>
-          <a:fillRef idx="1">
-            <a:schemeClr val="accent1"/>
-          </a:fillRef>
-          <a:effectRef idx="0">
-            <a:schemeClr val="accent1"/>
-          </a:effectRef>
-          <a:fontRef idx="minor">
-            <a:schemeClr val="lt1"/>
-          </a:fontRef>
-        </p:style>
-        <p:txBody>
-          <a:bodyPr rtlCol="0" anchor="ctr"/>
-          <a:lstStyle/>
-          <a:p>
-            <a:pPr algn="ctr"/>
-            <a:endParaRPr lang="en-US"/>
-          </a:p>
-        </p:txBody>
-      </p:sp>
-      <p:sp>
-        <p:nvSpPr>
-          <p:cNvPr id="5" name="Title 4">
-            <a:extLst>
-              <a:ext uri="{FF2B5EF4-FFF2-40B4-BE49-F238E27FC236}">
-                <a16:creationId xmlns:a16="http://schemas.microsoft.com/office/drawing/2014/main" id="{5C563D23-2781-457C-875C-E331C06542FE}"/>
-              </a:ext>
-            </a:extLst>
-          </p:cNvPr>
-          <p:cNvSpPr>
-            <a:spLocks noGrp="1"/>
-          </p:cNvSpPr>
-          <p:nvPr>
-            <p:ph type="title"/>
-          </p:nvPr>
-        </p:nvSpPr>
-        <p:spPr>
-          <a:xfrm>
-            <a:off x="878911" y="643468"/>
-            <a:ext cx="3177847" cy="1674180"/>
-          </a:xfrm>
-        </p:spPr>
-        <p:txBody>
-          <a:bodyPr>
-            <a:normAutofit/>
-          </a:bodyPr>
-          <a:lstStyle/>
-          <a:p>
-            <a:r>
-              <a:rPr lang="en-US" sz="3700" dirty="0"/>
-              <a:t>Step 3</a:t>
-            </a:r>
-          </a:p>
-        </p:txBody>
-      </p:sp>
-      <p:cxnSp>
-        <p:nvCxnSpPr>
-          <p:cNvPr id="34" name="Straight Connector 24">
-            <a:extLst>
-              <a:ext uri="{FF2B5EF4-FFF2-40B4-BE49-F238E27FC236}">
-                <a16:creationId xmlns:a16="http://schemas.microsoft.com/office/drawing/2014/main" id="{EEB57AA8-F021-480C-A9E2-F89913313611}"/>
-              </a:ext>
-              <a:ext uri="{C183D7F6-B498-43B3-948B-1728B52AA6E4}">
-                <adec:decorative xmlns:adec="http://schemas.microsoft.com/office/drawing/2017/decorative" val="1"/>
-              </a:ext>
-            </a:extLst>
-          </p:cNvPr>
-          <p:cNvCxnSpPr>
-            <a:cxnSpLocks noGrp="1" noRot="1" noChangeAspect="1" noMove="1" noResize="1" noEditPoints="1" noAdjustHandles="1" noChangeArrowheads="1" noChangeShapeType="1"/>
-          </p:cNvCxnSpPr>
-          <p:nvPr>
-            <p:extLst>
-              <p:ext uri="{386F3935-93C4-4BCD-93E2-E3B085C9AB24}">
-                <p16:designElem xmlns:p16="http://schemas.microsoft.com/office/powerpoint/2015/main" val="1"/>
-              </p:ext>
-            </p:extLst>
-          </p:nvPr>
-        </p:nvCxnSpPr>
-        <p:spPr>
-          <a:xfrm>
-            <a:off x="962164" y="2478513"/>
-            <a:ext cx="2926080" cy="0"/>
-          </a:xfrm>
-          <a:prstGeom prst="line">
-            <a:avLst/>
-          </a:prstGeom>
-          <a:ln>
-            <a:solidFill>
-              <a:schemeClr val="tx1">
-                <a:lumMod val="75000"/>
-                <a:lumOff val="25000"/>
-              </a:schemeClr>
-            </a:solidFill>
-          </a:ln>
-        </p:spPr>
-        <p:style>
-          <a:lnRef idx="1">
-            <a:schemeClr val="accent1"/>
-          </a:lnRef>
-          <a:fillRef idx="0">
-            <a:schemeClr val="accent1"/>
-          </a:fillRef>
-          <a:effectRef idx="0">
-            <a:schemeClr val="accent1"/>
-          </a:effectRef>
-          <a:fontRef idx="minor">
-            <a:schemeClr val="tx1"/>
-          </a:fontRef>
-        </p:style>
-      </p:cxnSp>
-      <p:sp>
-        <p:nvSpPr>
-          <p:cNvPr id="35" name="Content Placeholder 10">
-            <a:extLst>
-              <a:ext uri="{FF2B5EF4-FFF2-40B4-BE49-F238E27FC236}">
-                <a16:creationId xmlns:a16="http://schemas.microsoft.com/office/drawing/2014/main" id="{D348FD31-5E6F-43C0-ADC7-C7BFC4E41D45}"/>
-              </a:ext>
-            </a:extLst>
-          </p:cNvPr>
-          <p:cNvSpPr>
-            <a:spLocks noGrp="1"/>
-          </p:cNvSpPr>
-          <p:nvPr>
-            <p:ph idx="1"/>
-          </p:nvPr>
-        </p:nvSpPr>
-        <p:spPr>
-          <a:xfrm>
-            <a:off x="858064" y="2639380"/>
-            <a:ext cx="3205049" cy="3229714"/>
-          </a:xfrm>
-        </p:spPr>
-        <p:txBody>
-          <a:bodyPr>
-            <a:normAutofit/>
-          </a:bodyPr>
-          <a:lstStyle/>
-          <a:p>
-            <a:r>
-              <a:rPr lang="en-US" dirty="0"/>
-              <a:t>Read in json data, set up base map via Open Street Map, utilize World Air Quality Index API to create 1</a:t>
-            </a:r>
-            <a:r>
-              <a:rPr lang="en-US" baseline="30000" dirty="0"/>
-              <a:t>st</a:t>
-            </a:r>
-            <a:r>
-              <a:rPr lang="en-US" dirty="0"/>
-              <a:t> layer of map: air quality. </a:t>
-            </a:r>
-          </a:p>
-        </p:txBody>
-      </p:sp>
-      <p:pic>
-        <p:nvPicPr>
-          <p:cNvPr id="7" name="Content Placeholder 6" descr="A close up of a screen&#10;&#10;Description automatically generated">
-            <a:extLst>
-              <a:ext uri="{FF2B5EF4-FFF2-40B4-BE49-F238E27FC236}">
-                <a16:creationId xmlns:a16="http://schemas.microsoft.com/office/drawing/2014/main" id="{F7E2A5A4-D5D1-4F2B-9C1F-FE2A35F884C2}"/>
-              </a:ext>
-            </a:extLst>
-          </p:cNvPr>
-          <p:cNvPicPr>
-            <a:picLocks noChangeAspect="1"/>
-          </p:cNvPicPr>
-          <p:nvPr/>
-        </p:nvPicPr>
-        <p:blipFill>
-          <a:blip r:embed="rId2"/>
-          <a:stretch>
-            <a:fillRect/>
-          </a:stretch>
-        </p:blipFill>
-        <p:spPr>
-          <a:xfrm>
-            <a:off x="4653447" y="2299933"/>
-            <a:ext cx="6892560" cy="1912686"/>
-          </a:xfrm>
-          <a:prstGeom prst="rect">
-            <a:avLst/>
-          </a:prstGeom>
-        </p:spPr>
-      </p:pic>
-      <p:sp>
-        <p:nvSpPr>
-          <p:cNvPr id="36" name="Rectangle 26">
-            <a:extLst>
-              <a:ext uri="{FF2B5EF4-FFF2-40B4-BE49-F238E27FC236}">
-                <a16:creationId xmlns:a16="http://schemas.microsoft.com/office/drawing/2014/main" id="{6BF36B24-6632-4516-9692-731462896C1F}"/>
-              </a:ext>
-              <a:ext uri="{C183D7F6-B498-43B3-948B-1728B52AA6E4}">
-                <adec:decorative xmlns:adec="http://schemas.microsoft.com/office/drawing/2017/decorative" val="1"/>
-              </a:ext>
-            </a:extLst>
-          </p:cNvPr>
-          <p:cNvSpPr>
-            <a:spLocks noGrp="1" noRot="1" noChangeAspect="1" noMove="1" noResize="1" noEditPoints="1" noAdjustHandles="1" noChangeArrowheads="1" noChangeShapeType="1" noTextEdit="1"/>
-          </p:cNvSpPr>
-          <p:nvPr>
-            <p:extLst>
-              <p:ext uri="{386F3935-93C4-4BCD-93E2-E3B085C9AB24}">
-                <p16:designElem xmlns:p16="http://schemas.microsoft.com/office/powerpoint/2015/main" val="1"/>
-              </p:ext>
-            </p:extLst>
-          </p:nvPr>
-        </p:nvSpPr>
-        <p:spPr>
-          <a:xfrm>
-            <a:off x="0" y="6400800"/>
-            <a:ext cx="12192000" cy="457200"/>
+            <a:off x="3175" y="6400800"/>
+            <a:ext cx="12188825" cy="457200"/>
           </a:xfrm>
           <a:prstGeom prst="rect">
             <a:avLst/>
@@ -4840,10 +4328,378 @@
           </a:fontRef>
         </p:style>
       </p:sp>
+      <p:cxnSp>
+        <p:nvCxnSpPr>
+          <p:cNvPr id="25" name="Straight Connector 24">
+            <a:extLst>
+              <a:ext uri="{FF2B5EF4-FFF2-40B4-BE49-F238E27FC236}">
+                <a16:creationId xmlns:a16="http://schemas.microsoft.com/office/drawing/2014/main" id="{1F5DC8C3-BA5F-4EED-BB9A-A14272BD82A1}"/>
+              </a:ext>
+              <a:ext uri="{C183D7F6-B498-43B3-948B-1728B52AA6E4}">
+                <adec:decorative xmlns:adec="http://schemas.microsoft.com/office/drawing/2017/decorative" val="1"/>
+              </a:ext>
+            </a:extLst>
+          </p:cNvPr>
+          <p:cNvCxnSpPr>
+            <a:cxnSpLocks noGrp="1" noRot="1" noChangeAspect="1" noMove="1" noResize="1" noEditPoints="1" noAdjustHandles="1" noChangeArrowheads="1" noChangeShapeType="1"/>
+          </p:cNvCxnSpPr>
+          <p:nvPr>
+            <p:extLst>
+              <p:ext uri="{386F3935-93C4-4BCD-93E2-E3B085C9AB24}">
+                <p16:designElem xmlns:p16="http://schemas.microsoft.com/office/powerpoint/2015/main" val="1"/>
+              </p:ext>
+            </p:extLst>
+          </p:nvPr>
+        </p:nvCxnSpPr>
+        <p:spPr>
+          <a:xfrm>
+            <a:off x="1207658" y="4474741"/>
+            <a:ext cx="9875520" cy="0"/>
+          </a:xfrm>
+          <a:prstGeom prst="line">
+            <a:avLst/>
+          </a:prstGeom>
+          <a:ln w="12700">
+            <a:solidFill>
+              <a:schemeClr val="tx1">
+                <a:lumMod val="75000"/>
+                <a:lumOff val="25000"/>
+              </a:schemeClr>
+            </a:solidFill>
+          </a:ln>
+        </p:spPr>
+        <p:style>
+          <a:lnRef idx="1">
+            <a:schemeClr val="accent1"/>
+          </a:lnRef>
+          <a:fillRef idx="0">
+            <a:schemeClr val="accent1"/>
+          </a:fillRef>
+          <a:effectRef idx="0">
+            <a:schemeClr val="accent1"/>
+          </a:effectRef>
+          <a:fontRef idx="minor">
+            <a:schemeClr val="tx1"/>
+          </a:fontRef>
+        </p:style>
+      </p:cxnSp>
+      <p:sp useBgFill="1">
+        <p:nvSpPr>
+          <p:cNvPr id="27" name="Rectangle 26">
+            <a:extLst>
+              <a:ext uri="{FF2B5EF4-FFF2-40B4-BE49-F238E27FC236}">
+                <a16:creationId xmlns:a16="http://schemas.microsoft.com/office/drawing/2014/main" id="{33428ACC-71EC-4171-9527-10983BA6B41D}"/>
+              </a:ext>
+              <a:ext uri="{C183D7F6-B498-43B3-948B-1728B52AA6E4}">
+                <adec:decorative xmlns:adec="http://schemas.microsoft.com/office/drawing/2017/decorative" val="1"/>
+              </a:ext>
+            </a:extLst>
+          </p:cNvPr>
+          <p:cNvSpPr>
+            <a:spLocks noGrp="1" noRot="1" noChangeAspect="1" noMove="1" noResize="1" noEditPoints="1" noAdjustHandles="1" noChangeArrowheads="1" noChangeShapeType="1" noTextEdit="1"/>
+          </p:cNvSpPr>
+          <p:nvPr>
+            <p:extLst>
+              <p:ext uri="{386F3935-93C4-4BCD-93E2-E3B085C9AB24}">
+                <p16:designElem xmlns:p16="http://schemas.microsoft.com/office/powerpoint/2015/main" val="1"/>
+              </p:ext>
+            </p:extLst>
+          </p:nvPr>
+        </p:nvSpPr>
+        <p:spPr>
+          <a:xfrm>
+            <a:off x="0" y="0"/>
+            <a:ext cx="12192001" cy="6858000"/>
+          </a:xfrm>
+          <a:prstGeom prst="rect">
+            <a:avLst/>
+          </a:prstGeom>
+          <a:ln>
+            <a:noFill/>
+          </a:ln>
+        </p:spPr>
+        <p:style>
+          <a:lnRef idx="2">
+            <a:schemeClr val="accent1">
+              <a:shade val="50000"/>
+            </a:schemeClr>
+          </a:lnRef>
+          <a:fillRef idx="1">
+            <a:schemeClr val="accent1"/>
+          </a:fillRef>
+          <a:effectRef idx="0">
+            <a:schemeClr val="accent1"/>
+          </a:effectRef>
+          <a:fontRef idx="minor">
+            <a:schemeClr val="lt1"/>
+          </a:fontRef>
+        </p:style>
+        <p:txBody>
+          <a:bodyPr rtlCol="0" anchor="ctr"/>
+          <a:lstStyle/>
+          <a:p>
+            <a:pPr algn="ctr"/>
+            <a:endParaRPr lang="en-US"/>
+          </a:p>
+        </p:txBody>
+      </p:sp>
+      <p:sp>
+        <p:nvSpPr>
+          <p:cNvPr id="2" name="Title 1">
+            <a:extLst>
+              <a:ext uri="{FF2B5EF4-FFF2-40B4-BE49-F238E27FC236}">
+                <a16:creationId xmlns:a16="http://schemas.microsoft.com/office/drawing/2014/main" id="{E0E4F361-1EDB-4C1A-B9AB-D891EBCEB366}"/>
+              </a:ext>
+            </a:extLst>
+          </p:cNvPr>
+          <p:cNvSpPr>
+            <a:spLocks noGrp="1"/>
+          </p:cNvSpPr>
+          <p:nvPr>
+            <p:ph type="title"/>
+          </p:nvPr>
+        </p:nvSpPr>
+        <p:spPr>
+          <a:xfrm>
+            <a:off x="8141110" y="639098"/>
+            <a:ext cx="3401961" cy="3494790"/>
+          </a:xfrm>
+        </p:spPr>
+        <p:txBody>
+          <a:bodyPr vert="horz" lIns="91440" tIns="45720" rIns="91440" bIns="45720" rtlCol="0" anchor="b">
+            <a:normAutofit/>
+          </a:bodyPr>
+          <a:lstStyle/>
+          <a:p>
+            <a:r>
+              <a:rPr lang="en-US" sz="5400" dirty="0">
+                <a:solidFill>
+                  <a:schemeClr val="tx1">
+                    <a:lumMod val="85000"/>
+                    <a:lumOff val="15000"/>
+                  </a:schemeClr>
+                </a:solidFill>
+              </a:rPr>
+              <a:t>Step 3</a:t>
+            </a:r>
+          </a:p>
+        </p:txBody>
+      </p:sp>
+      <p:sp>
+        <p:nvSpPr>
+          <p:cNvPr id="4" name="Text Placeholder 3">
+            <a:extLst>
+              <a:ext uri="{FF2B5EF4-FFF2-40B4-BE49-F238E27FC236}">
+                <a16:creationId xmlns:a16="http://schemas.microsoft.com/office/drawing/2014/main" id="{964DF764-E735-41DE-A0F8-F9D6BD0AF87F}"/>
+              </a:ext>
+            </a:extLst>
+          </p:cNvPr>
+          <p:cNvSpPr>
+            <a:spLocks noGrp="1"/>
+          </p:cNvSpPr>
+          <p:nvPr>
+            <p:ph type="body" sz="half" idx="2"/>
+          </p:nvPr>
+        </p:nvSpPr>
+        <p:spPr>
+          <a:xfrm>
+            <a:off x="8141110" y="4455621"/>
+            <a:ext cx="3417990" cy="1238616"/>
+          </a:xfrm>
+        </p:spPr>
+        <p:txBody>
+          <a:bodyPr vert="horz" lIns="91440" tIns="45720" rIns="91440" bIns="45720" rtlCol="0">
+            <a:normAutofit/>
+          </a:bodyPr>
+          <a:lstStyle/>
+          <a:p>
+            <a:pPr>
+              <a:lnSpc>
+                <a:spcPct val="90000"/>
+              </a:lnSpc>
+            </a:pPr>
+            <a:r>
+              <a:rPr lang="en-US" sz="1700" cap="all" spc="200" dirty="0">
+                <a:solidFill>
+                  <a:schemeClr val="tx1">
+                    <a:lumMod val="85000"/>
+                    <a:lumOff val="15000"/>
+                  </a:schemeClr>
+                </a:solidFill>
+              </a:rPr>
+              <a:t>Next, we .</a:t>
+            </a:r>
+            <a:r>
+              <a:rPr lang="en-US" sz="1700" cap="all" spc="200" dirty="0" err="1">
+                <a:solidFill>
+                  <a:schemeClr val="tx1">
+                    <a:lumMod val="85000"/>
+                    <a:lumOff val="15000"/>
+                  </a:schemeClr>
+                </a:solidFill>
+              </a:rPr>
+              <a:t>js</a:t>
+            </a:r>
+            <a:r>
+              <a:rPr lang="en-US" sz="1700" cap="all" spc="200" dirty="0">
+                <a:solidFill>
+                  <a:schemeClr val="tx1">
+                    <a:lumMod val="85000"/>
+                    <a:lumOff val="15000"/>
+                  </a:schemeClr>
+                </a:solidFill>
+              </a:rPr>
+              <a:t> to pull the table out of Postgres and save that data as a json file</a:t>
+            </a:r>
+          </a:p>
+        </p:txBody>
+      </p:sp>
+      <p:pic>
+        <p:nvPicPr>
+          <p:cNvPr id="5" name="Content Placeholder 4">
+            <a:extLst>
+              <a:ext uri="{FF2B5EF4-FFF2-40B4-BE49-F238E27FC236}">
+                <a16:creationId xmlns:a16="http://schemas.microsoft.com/office/drawing/2014/main" id="{D7E4BAFC-4ADF-4013-828D-89C7B92DBD95}"/>
+              </a:ext>
+            </a:extLst>
+          </p:cNvPr>
+          <p:cNvPicPr>
+            <a:picLocks noGrp="1" noChangeAspect="1"/>
+          </p:cNvPicPr>
+          <p:nvPr>
+            <p:ph idx="1"/>
+          </p:nvPr>
+        </p:nvPicPr>
+        <p:blipFill>
+          <a:blip r:embed="rId2"/>
+          <a:stretch>
+            <a:fillRect/>
+          </a:stretch>
+        </p:blipFill>
+        <p:spPr>
+          <a:xfrm>
+            <a:off x="754031" y="640081"/>
+            <a:ext cx="6672153" cy="5054156"/>
+          </a:xfrm>
+          <a:prstGeom prst="rect">
+            <a:avLst/>
+          </a:prstGeom>
+        </p:spPr>
+      </p:pic>
+      <p:cxnSp>
+        <p:nvCxnSpPr>
+          <p:cNvPr id="29" name="Straight Connector 28">
+            <a:extLst>
+              <a:ext uri="{FF2B5EF4-FFF2-40B4-BE49-F238E27FC236}">
+                <a16:creationId xmlns:a16="http://schemas.microsoft.com/office/drawing/2014/main" id="{BA22713B-ABB6-4391-97F9-0449A2B9B664}"/>
+              </a:ext>
+              <a:ext uri="{C183D7F6-B498-43B3-948B-1728B52AA6E4}">
+                <adec:decorative xmlns:adec="http://schemas.microsoft.com/office/drawing/2017/decorative" val="1"/>
+              </a:ext>
+            </a:extLst>
+          </p:cNvPr>
+          <p:cNvCxnSpPr>
+            <a:cxnSpLocks noGrp="1" noRot="1" noChangeAspect="1" noMove="1" noResize="1" noEditPoints="1" noAdjustHandles="1" noChangeArrowheads="1" noChangeShapeType="1"/>
+          </p:cNvCxnSpPr>
+          <p:nvPr>
+            <p:extLst>
+              <p:ext uri="{386F3935-93C4-4BCD-93E2-E3B085C9AB24}">
+                <p16:designElem xmlns:p16="http://schemas.microsoft.com/office/powerpoint/2015/main" val="1"/>
+              </p:ext>
+            </p:extLst>
+          </p:nvPr>
+        </p:nvCxnSpPr>
+        <p:spPr>
+          <a:xfrm>
+            <a:off x="8209305" y="4294754"/>
+            <a:ext cx="3200400" cy="0"/>
+          </a:xfrm>
+          <a:prstGeom prst="line">
+            <a:avLst/>
+          </a:prstGeom>
+          <a:ln w="12700">
+            <a:solidFill>
+              <a:schemeClr val="tx1">
+                <a:lumMod val="75000"/>
+                <a:lumOff val="25000"/>
+              </a:schemeClr>
+            </a:solidFill>
+          </a:ln>
+        </p:spPr>
+        <p:style>
+          <a:lnRef idx="1">
+            <a:schemeClr val="accent1"/>
+          </a:lnRef>
+          <a:fillRef idx="0">
+            <a:schemeClr val="accent1"/>
+          </a:fillRef>
+          <a:effectRef idx="0">
+            <a:schemeClr val="accent1"/>
+          </a:effectRef>
+          <a:fontRef idx="minor">
+            <a:schemeClr val="tx1"/>
+          </a:fontRef>
+        </p:style>
+      </p:cxnSp>
+      <p:sp>
+        <p:nvSpPr>
+          <p:cNvPr id="31" name="Rectangle 30">
+            <a:extLst>
+              <a:ext uri="{FF2B5EF4-FFF2-40B4-BE49-F238E27FC236}">
+                <a16:creationId xmlns:a16="http://schemas.microsoft.com/office/drawing/2014/main" id="{8D4480B4-953D-41FA-9052-09AB3A026947}"/>
+              </a:ext>
+              <a:ext uri="{C183D7F6-B498-43B3-948B-1728B52AA6E4}">
+                <adec:decorative xmlns:adec="http://schemas.microsoft.com/office/drawing/2017/decorative" val="1"/>
+              </a:ext>
+            </a:extLst>
+          </p:cNvPr>
+          <p:cNvSpPr>
+            <a:spLocks noGrp="1" noRot="1" noChangeAspect="1" noMove="1" noResize="1" noEditPoints="1" noAdjustHandles="1" noChangeArrowheads="1" noChangeShapeType="1" noTextEdit="1"/>
+          </p:cNvSpPr>
+          <p:nvPr>
+            <p:extLst>
+              <p:ext uri="{386F3935-93C4-4BCD-93E2-E3B085C9AB24}">
+                <p16:designElem xmlns:p16="http://schemas.microsoft.com/office/powerpoint/2015/main" val="1"/>
+              </p:ext>
+            </p:extLst>
+          </p:nvPr>
+        </p:nvSpPr>
+        <p:spPr>
+          <a:xfrm>
+            <a:off x="0" y="6400800"/>
+            <a:ext cx="12192000" cy="457200"/>
+          </a:xfrm>
+          <a:prstGeom prst="rect">
+            <a:avLst/>
+          </a:prstGeom>
+          <a:solidFill>
+            <a:srgbClr val="262626"/>
+          </a:solidFill>
+          <a:ln>
+            <a:noFill/>
+          </a:ln>
+        </p:spPr>
+        <p:style>
+          <a:lnRef idx="2">
+            <a:schemeClr val="accent1">
+              <a:shade val="50000"/>
+            </a:schemeClr>
+          </a:lnRef>
+          <a:fillRef idx="1">
+            <a:schemeClr val="accent1"/>
+          </a:fillRef>
+          <a:effectRef idx="0">
+            <a:schemeClr val="accent1"/>
+          </a:effectRef>
+          <a:fontRef idx="minor">
+            <a:schemeClr val="lt1"/>
+          </a:fontRef>
+        </p:style>
+      </p:sp>
     </p:spTree>
     <p:extLst>
       <p:ext uri="{BB962C8B-B14F-4D97-AF65-F5344CB8AC3E}">
-        <p14:creationId xmlns:p14="http://schemas.microsoft.com/office/powerpoint/2010/main" val="286814050"/>
+        <p14:creationId xmlns:p14="http://schemas.microsoft.com/office/powerpoint/2010/main" val="2245161713"/>
       </p:ext>
     </p:extLst>
   </p:cSld>
@@ -4878,6 +4734,322 @@
           <a:chExt cx="0" cy="0"/>
         </a:xfrm>
       </p:grpSpPr>
+      <p:sp useBgFill="1">
+        <p:nvSpPr>
+          <p:cNvPr id="33" name="Rectangle 22">
+            <a:extLst>
+              <a:ext uri="{FF2B5EF4-FFF2-40B4-BE49-F238E27FC236}">
+                <a16:creationId xmlns:a16="http://schemas.microsoft.com/office/drawing/2014/main" id="{F64BBAA4-C62B-4146-B49F-FE4CC4655EE0}"/>
+              </a:ext>
+              <a:ext uri="{C183D7F6-B498-43B3-948B-1728B52AA6E4}">
+                <adec:decorative xmlns:adec="http://schemas.microsoft.com/office/drawing/2017/decorative" val="1"/>
+              </a:ext>
+            </a:extLst>
+          </p:cNvPr>
+          <p:cNvSpPr>
+            <a:spLocks noGrp="1" noRot="1" noChangeAspect="1" noMove="1" noResize="1" noEditPoints="1" noAdjustHandles="1" noChangeArrowheads="1" noChangeShapeType="1" noTextEdit="1"/>
+          </p:cNvSpPr>
+          <p:nvPr>
+            <p:extLst>
+              <p:ext uri="{386F3935-93C4-4BCD-93E2-E3B085C9AB24}">
+                <p16:designElem xmlns:p16="http://schemas.microsoft.com/office/powerpoint/2015/main" val="1"/>
+              </p:ext>
+            </p:extLst>
+          </p:nvPr>
+        </p:nvSpPr>
+        <p:spPr>
+          <a:xfrm>
+            <a:off x="0" y="0"/>
+            <a:ext cx="12192001" cy="6858000"/>
+          </a:xfrm>
+          <a:prstGeom prst="rect">
+            <a:avLst/>
+          </a:prstGeom>
+          <a:ln>
+            <a:noFill/>
+          </a:ln>
+        </p:spPr>
+        <p:style>
+          <a:lnRef idx="2">
+            <a:schemeClr val="accent1">
+              <a:shade val="50000"/>
+            </a:schemeClr>
+          </a:lnRef>
+          <a:fillRef idx="1">
+            <a:schemeClr val="accent1"/>
+          </a:fillRef>
+          <a:effectRef idx="0">
+            <a:schemeClr val="accent1"/>
+          </a:effectRef>
+          <a:fontRef idx="minor">
+            <a:schemeClr val="lt1"/>
+          </a:fontRef>
+        </p:style>
+        <p:txBody>
+          <a:bodyPr rtlCol="0" anchor="ctr"/>
+          <a:lstStyle/>
+          <a:p>
+            <a:pPr algn="ctr"/>
+            <a:endParaRPr lang="en-US"/>
+          </a:p>
+        </p:txBody>
+      </p:sp>
+      <p:sp>
+        <p:nvSpPr>
+          <p:cNvPr id="5" name="Title 4">
+            <a:extLst>
+              <a:ext uri="{FF2B5EF4-FFF2-40B4-BE49-F238E27FC236}">
+                <a16:creationId xmlns:a16="http://schemas.microsoft.com/office/drawing/2014/main" id="{5C563D23-2781-457C-875C-E331C06542FE}"/>
+              </a:ext>
+            </a:extLst>
+          </p:cNvPr>
+          <p:cNvSpPr>
+            <a:spLocks noGrp="1"/>
+          </p:cNvSpPr>
+          <p:nvPr>
+            <p:ph type="title"/>
+          </p:nvPr>
+        </p:nvSpPr>
+        <p:spPr>
+          <a:xfrm>
+            <a:off x="878911" y="643468"/>
+            <a:ext cx="3177847" cy="1674180"/>
+          </a:xfrm>
+        </p:spPr>
+        <p:txBody>
+          <a:bodyPr>
+            <a:normAutofit/>
+          </a:bodyPr>
+          <a:lstStyle/>
+          <a:p>
+            <a:r>
+              <a:rPr lang="en-US" sz="3700" dirty="0"/>
+              <a:t>Step 4</a:t>
+            </a:r>
+          </a:p>
+        </p:txBody>
+      </p:sp>
+      <p:cxnSp>
+        <p:nvCxnSpPr>
+          <p:cNvPr id="34" name="Straight Connector 24">
+            <a:extLst>
+              <a:ext uri="{FF2B5EF4-FFF2-40B4-BE49-F238E27FC236}">
+                <a16:creationId xmlns:a16="http://schemas.microsoft.com/office/drawing/2014/main" id="{EEB57AA8-F021-480C-A9E2-F89913313611}"/>
+              </a:ext>
+              <a:ext uri="{C183D7F6-B498-43B3-948B-1728B52AA6E4}">
+                <adec:decorative xmlns:adec="http://schemas.microsoft.com/office/drawing/2017/decorative" val="1"/>
+              </a:ext>
+            </a:extLst>
+          </p:cNvPr>
+          <p:cNvCxnSpPr>
+            <a:cxnSpLocks noGrp="1" noRot="1" noChangeAspect="1" noMove="1" noResize="1" noEditPoints="1" noAdjustHandles="1" noChangeArrowheads="1" noChangeShapeType="1"/>
+          </p:cNvCxnSpPr>
+          <p:nvPr>
+            <p:extLst>
+              <p:ext uri="{386F3935-93C4-4BCD-93E2-E3B085C9AB24}">
+                <p16:designElem xmlns:p16="http://schemas.microsoft.com/office/powerpoint/2015/main" val="1"/>
+              </p:ext>
+            </p:extLst>
+          </p:nvPr>
+        </p:nvCxnSpPr>
+        <p:spPr>
+          <a:xfrm>
+            <a:off x="962164" y="2478513"/>
+            <a:ext cx="2926080" cy="0"/>
+          </a:xfrm>
+          <a:prstGeom prst="line">
+            <a:avLst/>
+          </a:prstGeom>
+          <a:ln>
+            <a:solidFill>
+              <a:schemeClr val="tx1">
+                <a:lumMod val="75000"/>
+                <a:lumOff val="25000"/>
+              </a:schemeClr>
+            </a:solidFill>
+          </a:ln>
+        </p:spPr>
+        <p:style>
+          <a:lnRef idx="1">
+            <a:schemeClr val="accent1"/>
+          </a:lnRef>
+          <a:fillRef idx="0">
+            <a:schemeClr val="accent1"/>
+          </a:fillRef>
+          <a:effectRef idx="0">
+            <a:schemeClr val="accent1"/>
+          </a:effectRef>
+          <a:fontRef idx="minor">
+            <a:schemeClr val="tx1"/>
+          </a:fontRef>
+        </p:style>
+      </p:cxnSp>
+      <p:sp>
+        <p:nvSpPr>
+          <p:cNvPr id="35" name="Content Placeholder 10">
+            <a:extLst>
+              <a:ext uri="{FF2B5EF4-FFF2-40B4-BE49-F238E27FC236}">
+                <a16:creationId xmlns:a16="http://schemas.microsoft.com/office/drawing/2014/main" id="{D348FD31-5E6F-43C0-ADC7-C7BFC4E41D45}"/>
+              </a:ext>
+            </a:extLst>
+          </p:cNvPr>
+          <p:cNvSpPr>
+            <a:spLocks noGrp="1"/>
+          </p:cNvSpPr>
+          <p:nvPr>
+            <p:ph idx="1"/>
+          </p:nvPr>
+        </p:nvSpPr>
+        <p:spPr>
+          <a:xfrm>
+            <a:off x="858064" y="2639380"/>
+            <a:ext cx="3205049" cy="3229714"/>
+          </a:xfrm>
+        </p:spPr>
+        <p:txBody>
+          <a:bodyPr>
+            <a:normAutofit/>
+          </a:bodyPr>
+          <a:lstStyle/>
+          <a:p>
+            <a:r>
+              <a:rPr lang="en-US" dirty="0"/>
+              <a:t>Read in json data, set up base map via Open Street Map, utilize World Air Quality Index API to create 1</a:t>
+            </a:r>
+            <a:r>
+              <a:rPr lang="en-US" baseline="30000" dirty="0"/>
+              <a:t>st</a:t>
+            </a:r>
+            <a:r>
+              <a:rPr lang="en-US" dirty="0"/>
+              <a:t> layer of map: air quality. </a:t>
+            </a:r>
+          </a:p>
+        </p:txBody>
+      </p:sp>
+      <p:pic>
+        <p:nvPicPr>
+          <p:cNvPr id="7" name="Content Placeholder 6" descr="A close up of a screen&#10;&#10;Description automatically generated">
+            <a:extLst>
+              <a:ext uri="{FF2B5EF4-FFF2-40B4-BE49-F238E27FC236}">
+                <a16:creationId xmlns:a16="http://schemas.microsoft.com/office/drawing/2014/main" id="{F7E2A5A4-D5D1-4F2B-9C1F-FE2A35F884C2}"/>
+              </a:ext>
+            </a:extLst>
+          </p:cNvPr>
+          <p:cNvPicPr>
+            <a:picLocks noChangeAspect="1"/>
+          </p:cNvPicPr>
+          <p:nvPr/>
+        </p:nvPicPr>
+        <p:blipFill>
+          <a:blip r:embed="rId2"/>
+          <a:stretch>
+            <a:fillRect/>
+          </a:stretch>
+        </p:blipFill>
+        <p:spPr>
+          <a:xfrm>
+            <a:off x="4653447" y="2299933"/>
+            <a:ext cx="6892560" cy="1912686"/>
+          </a:xfrm>
+          <a:prstGeom prst="rect">
+            <a:avLst/>
+          </a:prstGeom>
+        </p:spPr>
+      </p:pic>
+      <p:sp>
+        <p:nvSpPr>
+          <p:cNvPr id="36" name="Rectangle 26">
+            <a:extLst>
+              <a:ext uri="{FF2B5EF4-FFF2-40B4-BE49-F238E27FC236}">
+                <a16:creationId xmlns:a16="http://schemas.microsoft.com/office/drawing/2014/main" id="{6BF36B24-6632-4516-9692-731462896C1F}"/>
+              </a:ext>
+              <a:ext uri="{C183D7F6-B498-43B3-948B-1728B52AA6E4}">
+                <adec:decorative xmlns:adec="http://schemas.microsoft.com/office/drawing/2017/decorative" val="1"/>
+              </a:ext>
+            </a:extLst>
+          </p:cNvPr>
+          <p:cNvSpPr>
+            <a:spLocks noGrp="1" noRot="1" noChangeAspect="1" noMove="1" noResize="1" noEditPoints="1" noAdjustHandles="1" noChangeArrowheads="1" noChangeShapeType="1" noTextEdit="1"/>
+          </p:cNvSpPr>
+          <p:nvPr>
+            <p:extLst>
+              <p:ext uri="{386F3935-93C4-4BCD-93E2-E3B085C9AB24}">
+                <p16:designElem xmlns:p16="http://schemas.microsoft.com/office/powerpoint/2015/main" val="1"/>
+              </p:ext>
+            </p:extLst>
+          </p:nvPr>
+        </p:nvSpPr>
+        <p:spPr>
+          <a:xfrm>
+            <a:off x="0" y="6400800"/>
+            <a:ext cx="12192000" cy="457200"/>
+          </a:xfrm>
+          <a:prstGeom prst="rect">
+            <a:avLst/>
+          </a:prstGeom>
+          <a:solidFill>
+            <a:srgbClr val="262626"/>
+          </a:solidFill>
+          <a:ln>
+            <a:noFill/>
+          </a:ln>
+        </p:spPr>
+        <p:style>
+          <a:lnRef idx="2">
+            <a:schemeClr val="accent1">
+              <a:shade val="50000"/>
+            </a:schemeClr>
+          </a:lnRef>
+          <a:fillRef idx="1">
+            <a:schemeClr val="accent1"/>
+          </a:fillRef>
+          <a:effectRef idx="0">
+            <a:schemeClr val="accent1"/>
+          </a:effectRef>
+          <a:fontRef idx="minor">
+            <a:schemeClr val="lt1"/>
+          </a:fontRef>
+        </p:style>
+      </p:sp>
+    </p:spTree>
+    <p:extLst>
+      <p:ext uri="{BB962C8B-B14F-4D97-AF65-F5344CB8AC3E}">
+        <p14:creationId xmlns:p14="http://schemas.microsoft.com/office/powerpoint/2010/main" val="286814050"/>
+      </p:ext>
+    </p:extLst>
+  </p:cSld>
+  <p:clrMapOvr>
+    <a:masterClrMapping/>
+  </p:clrMapOvr>
+</p:sld>
+</file>
+
+<file path=ppt/slides/slide7.xml><?xml version="1.0" encoding="utf-8"?>
+<p:sld xmlns:a="http://schemas.openxmlformats.org/drawingml/2006/main" xmlns:r="http://schemas.openxmlformats.org/officeDocument/2006/relationships" xmlns:p="http://schemas.openxmlformats.org/presentationml/2006/main">
+  <p:cSld>
+    <p:bg>
+      <p:bgPr>
+        <a:solidFill>
+          <a:schemeClr val="bg1"/>
+        </a:solidFill>
+        <a:effectLst/>
+      </p:bgPr>
+    </p:bg>
+    <p:spTree>
+      <p:nvGrpSpPr>
+        <p:cNvPr id="1" name=""/>
+        <p:cNvGrpSpPr/>
+        <p:nvPr/>
+      </p:nvGrpSpPr>
+      <p:grpSpPr>
+        <a:xfrm>
+          <a:off x="0" y="0"/>
+          <a:ext cx="0" cy="0"/>
+          <a:chOff x="0" y="0"/>
+          <a:chExt cx="0" cy="0"/>
+        </a:xfrm>
+      </p:grpSpPr>
       <p:sp>
         <p:nvSpPr>
           <p:cNvPr id="10" name="Rectangle 9">
@@ -5085,7 +5257,7 @@
                   </a:schemeClr>
                 </a:solidFill>
               </a:rPr>
-              <a:t>Step 4</a:t>
+              <a:t>Step 5</a:t>
             </a:r>
           </a:p>
         </p:txBody>
@@ -5292,7 +5464,7 @@
 </p:sld>
 </file>
 
-<file path=ppt/slides/slide7.xml><?xml version="1.0" encoding="utf-8"?>
+<file path=ppt/slides/slide8.xml><?xml version="1.0" encoding="utf-8"?>
 <p:sld xmlns:a="http://schemas.openxmlformats.org/drawingml/2006/main" xmlns:r="http://schemas.openxmlformats.org/officeDocument/2006/relationships" xmlns:p="http://schemas.openxmlformats.org/presentationml/2006/main">
   <p:cSld>
     <p:bg>
@@ -5741,6 +5913,24 @@
 </file>
 
 <file path=customXml/item1.xml><?xml version="1.0" encoding="utf-8"?>
+<p:properties xmlns:p="http://schemas.microsoft.com/office/2006/metadata/properties" xmlns:xsi="http://www.w3.org/2001/XMLSchema-instance" xmlns:pc="http://schemas.microsoft.com/office/infopath/2007/PartnerControls">
+  <documentManagement>
+    <Status xmlns="71af3243-3dd4-4a8d-8c0d-dd76da1f02a5">Not started</Status>
+    <MediaServiceKeyPoints xmlns="71af3243-3dd4-4a8d-8c0d-dd76da1f02a5" xsi:nil="true"/>
+  </documentManagement>
+</p:properties>
+</file>
+
+<file path=customXml/item2.xml><?xml version="1.0" encoding="utf-8"?>
+<?mso-contentType ?>
+<FormTemplates xmlns="http://schemas.microsoft.com/sharepoint/v3/contenttype/forms">
+  <Display>DocumentLibraryForm</Display>
+  <Edit>DocumentLibraryForm</Edit>
+  <New>DocumentLibraryForm</New>
+</FormTemplates>
+</file>
+
+<file path=customXml/item3.xml><?xml version="1.0" encoding="utf-8"?>
 <ct:contentTypeSchema xmlns:ct="http://schemas.microsoft.com/office/2006/metadata/contentType" xmlns:ma="http://schemas.microsoft.com/office/2006/metadata/properties/metaAttributes" ct:_="" ma:_="" ma:contentTypeName="Document" ma:contentTypeID="0x01010079F111ED35F8CC479449609E8A0923A6" ma:contentTypeVersion="12" ma:contentTypeDescription="Create a new document." ma:contentTypeScope="" ma:versionID="a410dd7f93c95333ffa1b60ed6adedd1">
   <xsd:schema xmlns:xsd="http://www.w3.org/2001/XMLSchema" xmlns:xs="http://www.w3.org/2001/XMLSchema" xmlns:p="http://schemas.microsoft.com/office/2006/metadata/properties" xmlns:ns2="71af3243-3dd4-4a8d-8c0d-dd76da1f02a5" xmlns:ns3="16c05727-aa75-4e4a-9b5f-8a80a1165891" targetNamespace="http://schemas.microsoft.com/office/2006/metadata/properties" ma:root="true" ma:fieldsID="a936d9baba76aa3866493feff160faab" ns2:_="" ns3:_="">
     <xsd:import namespace="71af3243-3dd4-4a8d-8c0d-dd76da1f02a5"/>
@@ -5961,25 +6151,25 @@
 </ct:contentTypeSchema>
 </file>
 
-<file path=customXml/item2.xml><?xml version="1.0" encoding="utf-8"?>
-<?mso-contentType ?>
-<FormTemplates xmlns="http://schemas.microsoft.com/sharepoint/v3/contenttype/forms">
-  <Display>DocumentLibraryForm</Display>
-  <Edit>DocumentLibraryForm</Edit>
-  <New>DocumentLibraryForm</New>
-</FormTemplates>
+<file path=customXml/itemProps1.xml><?xml version="1.0" encoding="utf-8"?>
+<ds:datastoreItem xmlns:ds="http://schemas.openxmlformats.org/officeDocument/2006/customXml" ds:itemID="{8F3CD65D-61A5-43C9-A837-6EC73C7DA8AB}">
+  <ds:schemaRefs>
+    <ds:schemaRef ds:uri="http://schemas.microsoft.com/office/2006/metadata/properties"/>
+    <ds:schemaRef ds:uri="http://schemas.microsoft.com/office/infopath/2007/PartnerControls"/>
+    <ds:schemaRef ds:uri="71af3243-3dd4-4a8d-8c0d-dd76da1f02a5"/>
+  </ds:schemaRefs>
+</ds:datastoreItem>
 </file>
 
-<file path=customXml/item3.xml><?xml version="1.0" encoding="utf-8"?>
-<p:properties xmlns:p="http://schemas.microsoft.com/office/2006/metadata/properties" xmlns:xsi="http://www.w3.org/2001/XMLSchema-instance" xmlns:pc="http://schemas.microsoft.com/office/infopath/2007/PartnerControls">
-  <documentManagement>
-    <Status xmlns="71af3243-3dd4-4a8d-8c0d-dd76da1f02a5">Not started</Status>
-    <MediaServiceKeyPoints xmlns="71af3243-3dd4-4a8d-8c0d-dd76da1f02a5" xsi:nil="true"/>
-  </documentManagement>
-</p:properties>
+<file path=customXml/itemProps2.xml><?xml version="1.0" encoding="utf-8"?>
+<ds:datastoreItem xmlns:ds="http://schemas.openxmlformats.org/officeDocument/2006/customXml" ds:itemID="{31F006B4-A9E1-4F39-85C8-FB836F919348}">
+  <ds:schemaRefs>
+    <ds:schemaRef ds:uri="http://schemas.microsoft.com/sharepoint/v3/contenttype/forms"/>
+  </ds:schemaRefs>
+</ds:datastoreItem>
 </file>
 
-<file path=customXml/itemProps1.xml><?xml version="1.0" encoding="utf-8"?>
+<file path=customXml/itemProps3.xml><?xml version="1.0" encoding="utf-8"?>
 <ds:datastoreItem xmlns:ds="http://schemas.openxmlformats.org/officeDocument/2006/customXml" ds:itemID="{16377351-63A1-4C2E-8C9A-66CDD70F16AC}">
   <ds:schemaRefs>
     <ds:schemaRef ds:uri="http://schemas.microsoft.com/office/2006/metadata/contentType"/>
@@ -5996,22 +6186,4 @@
     <ds:schemaRef ds:uri="http://schemas.microsoft.com/internal/obd"/>
   </ds:schemaRefs>
 </ds:datastoreItem>
-</file>
-
-<file path=customXml/itemProps2.xml><?xml version="1.0" encoding="utf-8"?>
-<ds:datastoreItem xmlns:ds="http://schemas.openxmlformats.org/officeDocument/2006/customXml" ds:itemID="{31F006B4-A9E1-4F39-85C8-FB836F919348}">
-  <ds:schemaRefs>
-    <ds:schemaRef ds:uri="http://schemas.microsoft.com/sharepoint/v3/contenttype/forms"/>
-  </ds:schemaRefs>
-</ds:datastoreItem>
-</file>
-
-<file path=customXml/itemProps3.xml><?xml version="1.0" encoding="utf-8"?>
-<ds:datastoreItem xmlns:ds="http://schemas.openxmlformats.org/officeDocument/2006/customXml" ds:itemID="{8F3CD65D-61A5-43C9-A837-6EC73C7DA8AB}">
-  <ds:schemaRefs>
-    <ds:schemaRef ds:uri="http://schemas.microsoft.com/office/2006/metadata/properties"/>
-    <ds:schemaRef ds:uri="http://schemas.microsoft.com/office/infopath/2007/PartnerControls"/>
-    <ds:schemaRef ds:uri="71af3243-3dd4-4a8d-8c0d-dd76da1f02a5"/>
-  </ds:schemaRefs>
-</ds:datastoreItem>
 </file>